--- a/仕様書/プレイヤー.pptx
+++ b/仕様書/プレイヤー.pptx
@@ -107,6 +107,11 @@
       </a:defRPr>
     </a:lvl9pPr>
   </p:defaultTextStyle>
+  <p:extLst>
+    <p:ext uri="{EFAFB233-063F-42B5-8137-9DF3F51BA10A}">
+      <p15:sldGuideLst xmlns:p15="http://schemas.microsoft.com/office/powerpoint/2012/main"/>
+    </p:ext>
+  </p:extLst>
 </p:presentation>
 </file>
 
@@ -3775,6 +3780,76 @@
           </a:p>
         </p:txBody>
       </p:sp>
+      <p:sp>
+        <p:nvSpPr>
+          <p:cNvPr id="3" name="テキスト ボックス 2">
+            <a:extLst>
+              <a:ext uri="{FF2B5EF4-FFF2-40B4-BE49-F238E27FC236}">
+                <a16:creationId xmlns:a16="http://schemas.microsoft.com/office/drawing/2014/main" id="{7E82B300-5296-44A2-A210-11A797B982FF}"/>
+              </a:ext>
+            </a:extLst>
+          </p:cNvPr>
+          <p:cNvSpPr txBox="1"/>
+          <p:nvPr/>
+        </p:nvSpPr>
+        <p:spPr>
+          <a:xfrm>
+            <a:off x="1252151" y="1449859"/>
+            <a:ext cx="5955476" cy="369332"/>
+          </a:xfrm>
+          <a:prstGeom prst="rect">
+            <a:avLst/>
+          </a:prstGeom>
+          <a:noFill/>
+        </p:spPr>
+        <p:txBody>
+          <a:bodyPr wrap="none" rtlCol="0">
+            <a:spAutoFit/>
+          </a:bodyPr>
+          <a:lstStyle/>
+          <a:p>
+            <a:r>
+              <a:rPr kumimoji="1" lang="ja-JP" altLang="en-US" dirty="0"/>
+              <a:t>・赤い盾を持っている敵を踏みつけて倒すことができる</a:t>
+            </a:r>
+          </a:p>
+        </p:txBody>
+      </p:sp>
+      <p:sp>
+        <p:nvSpPr>
+          <p:cNvPr id="4" name="テキスト ボックス 3">
+            <a:extLst>
+              <a:ext uri="{FF2B5EF4-FFF2-40B4-BE49-F238E27FC236}">
+                <a16:creationId xmlns:a16="http://schemas.microsoft.com/office/drawing/2014/main" id="{86C87B1B-D5DE-4D74-B648-5195CC5650E7}"/>
+              </a:ext>
+            </a:extLst>
+          </p:cNvPr>
+          <p:cNvSpPr txBox="1"/>
+          <p:nvPr/>
+        </p:nvSpPr>
+        <p:spPr>
+          <a:xfrm>
+            <a:off x="1252151" y="1819191"/>
+            <a:ext cx="415498" cy="369332"/>
+          </a:xfrm>
+          <a:prstGeom prst="rect">
+            <a:avLst/>
+          </a:prstGeom>
+          <a:noFill/>
+        </p:spPr>
+        <p:txBody>
+          <a:bodyPr wrap="none" rtlCol="0">
+            <a:spAutoFit/>
+          </a:bodyPr>
+          <a:lstStyle/>
+          <a:p>
+            <a:r>
+              <a:rPr kumimoji="1" lang="ja-JP" altLang="en-US" dirty="0"/>
+              <a:t>・</a:t>
+            </a:r>
+          </a:p>
+        </p:txBody>
+      </p:sp>
     </p:spTree>
     <p:extLst>
       <p:ext uri="{BB962C8B-B14F-4D97-AF65-F5344CB8AC3E}">
@@ -3840,6 +3915,76 @@
           </a:p>
         </p:txBody>
       </p:sp>
+      <p:sp>
+        <p:nvSpPr>
+          <p:cNvPr id="3" name="テキスト ボックス 2">
+            <a:extLst>
+              <a:ext uri="{FF2B5EF4-FFF2-40B4-BE49-F238E27FC236}">
+                <a16:creationId xmlns:a16="http://schemas.microsoft.com/office/drawing/2014/main" id="{CF696B2A-119B-4221-83DF-081D76579413}"/>
+              </a:ext>
+            </a:extLst>
+          </p:cNvPr>
+          <p:cNvSpPr txBox="1"/>
+          <p:nvPr/>
+        </p:nvSpPr>
+        <p:spPr>
+          <a:xfrm>
+            <a:off x="1499286" y="1507524"/>
+            <a:ext cx="5493812" cy="369332"/>
+          </a:xfrm>
+          <a:prstGeom prst="rect">
+            <a:avLst/>
+          </a:prstGeom>
+          <a:noFill/>
+        </p:spPr>
+        <p:txBody>
+          <a:bodyPr wrap="none" rtlCol="0">
+            <a:spAutoFit/>
+          </a:bodyPr>
+          <a:lstStyle/>
+          <a:p>
+            <a:r>
+              <a:rPr kumimoji="1" lang="ja-JP" altLang="en-US" dirty="0"/>
+              <a:t>・青いヘルメットをかぶった敵を倒すことができる</a:t>
+            </a:r>
+          </a:p>
+        </p:txBody>
+      </p:sp>
+      <p:sp>
+        <p:nvSpPr>
+          <p:cNvPr id="4" name="テキスト ボックス 3">
+            <a:extLst>
+              <a:ext uri="{FF2B5EF4-FFF2-40B4-BE49-F238E27FC236}">
+                <a16:creationId xmlns:a16="http://schemas.microsoft.com/office/drawing/2014/main" id="{03A4AE4A-38E9-45E0-A7E6-1508A9FA0D24}"/>
+              </a:ext>
+            </a:extLst>
+          </p:cNvPr>
+          <p:cNvSpPr txBox="1"/>
+          <p:nvPr/>
+        </p:nvSpPr>
+        <p:spPr>
+          <a:xfrm>
+            <a:off x="1499286" y="1876856"/>
+            <a:ext cx="415498" cy="369332"/>
+          </a:xfrm>
+          <a:prstGeom prst="rect">
+            <a:avLst/>
+          </a:prstGeom>
+          <a:noFill/>
+        </p:spPr>
+        <p:txBody>
+          <a:bodyPr wrap="none" rtlCol="0">
+            <a:spAutoFit/>
+          </a:bodyPr>
+          <a:lstStyle/>
+          <a:p>
+            <a:r>
+              <a:rPr kumimoji="1" lang="ja-JP" altLang="en-US" dirty="0"/>
+              <a:t>・</a:t>
+            </a:r>
+          </a:p>
+        </p:txBody>
+      </p:sp>
     </p:spTree>
     <p:extLst>
       <p:ext uri="{BB962C8B-B14F-4D97-AF65-F5344CB8AC3E}">
@@ -3901,6 +4046,112 @@
             <a:r>
               <a:rPr kumimoji="1" lang="ja-JP" altLang="en-US" dirty="0"/>
               <a:t>黄色状態</a:t>
+            </a:r>
+          </a:p>
+        </p:txBody>
+      </p:sp>
+      <p:sp>
+        <p:nvSpPr>
+          <p:cNvPr id="3" name="テキスト ボックス 2">
+            <a:extLst>
+              <a:ext uri="{FF2B5EF4-FFF2-40B4-BE49-F238E27FC236}">
+                <a16:creationId xmlns:a16="http://schemas.microsoft.com/office/drawing/2014/main" id="{8C44C0AA-BD8B-4DC6-8820-FC677A1CD727}"/>
+              </a:ext>
+            </a:extLst>
+          </p:cNvPr>
+          <p:cNvSpPr txBox="1"/>
+          <p:nvPr/>
+        </p:nvSpPr>
+        <p:spPr>
+          <a:xfrm>
+            <a:off x="1795849" y="1474573"/>
+            <a:ext cx="8938665" cy="369332"/>
+          </a:xfrm>
+          <a:prstGeom prst="rect">
+            <a:avLst/>
+          </a:prstGeom>
+          <a:noFill/>
+        </p:spPr>
+        <p:txBody>
+          <a:bodyPr wrap="none" rtlCol="0">
+            <a:spAutoFit/>
+          </a:bodyPr>
+          <a:lstStyle/>
+          <a:p>
+            <a:r>
+              <a:rPr kumimoji="1" lang="ja-JP" altLang="en-US" dirty="0"/>
+              <a:t>・黄色の敵を倒すことで黄色状態になることができるアイテム</a:t>
+            </a:r>
+            <a:r>
+              <a:rPr kumimoji="1" lang="en-US" altLang="ja-JP" dirty="0"/>
+              <a:t>(</a:t>
+            </a:r>
+            <a:r>
+              <a:rPr kumimoji="1" lang="ja-JP" altLang="en-US" dirty="0"/>
+              <a:t>？</a:t>
+            </a:r>
+            <a:r>
+              <a:rPr kumimoji="1" lang="en-US" altLang="ja-JP" dirty="0"/>
+              <a:t>)</a:t>
+            </a:r>
+            <a:r>
+              <a:rPr kumimoji="1" lang="ja-JP" altLang="en-US" dirty="0"/>
+              <a:t>のストックを獲得</a:t>
+            </a:r>
+          </a:p>
+        </p:txBody>
+      </p:sp>
+      <p:sp>
+        <p:nvSpPr>
+          <p:cNvPr id="4" name="テキスト ボックス 3">
+            <a:extLst>
+              <a:ext uri="{FF2B5EF4-FFF2-40B4-BE49-F238E27FC236}">
+                <a16:creationId xmlns:a16="http://schemas.microsoft.com/office/drawing/2014/main" id="{325E1618-546C-4338-AAA8-80BA389AE612}"/>
+              </a:ext>
+            </a:extLst>
+          </p:cNvPr>
+          <p:cNvSpPr txBox="1"/>
+          <p:nvPr/>
+        </p:nvSpPr>
+        <p:spPr>
+          <a:xfrm>
+            <a:off x="1795849" y="1843905"/>
+            <a:ext cx="7289175" cy="369332"/>
+          </a:xfrm>
+          <a:prstGeom prst="rect">
+            <a:avLst/>
+          </a:prstGeom>
+          <a:noFill/>
+        </p:spPr>
+        <p:txBody>
+          <a:bodyPr wrap="none" rtlCol="0">
+            <a:spAutoFit/>
+          </a:bodyPr>
+          <a:lstStyle/>
+          <a:p>
+            <a:r>
+              <a:rPr kumimoji="1" lang="ja-JP" altLang="en-US" dirty="0"/>
+              <a:t>・時間経過</a:t>
+            </a:r>
+            <a:r>
+              <a:rPr kumimoji="1" lang="en-US" altLang="ja-JP" dirty="0"/>
+              <a:t>(</a:t>
+            </a:r>
+            <a:r>
+              <a:rPr lang="ja-JP" altLang="en-US" dirty="0"/>
+              <a:t>今後</a:t>
+            </a:r>
+            <a:r>
+              <a:rPr kumimoji="1" lang="ja-JP" altLang="en-US" dirty="0"/>
+              <a:t>継続時間を設定</a:t>
+            </a:r>
+            <a:r>
+              <a:rPr kumimoji="1" lang="en-US" altLang="ja-JP" dirty="0"/>
+              <a:t>)</a:t>
+            </a:r>
+            <a:r>
+              <a:rPr kumimoji="1" lang="ja-JP" altLang="en-US" dirty="0"/>
+              <a:t>で解除されてひとつ前の状態に戻る</a:t>
             </a:r>
           </a:p>
         </p:txBody>

--- a/仕様書/プレイヤー.pptx
+++ b/仕様書/プレイヤー.pptx
@@ -4156,6 +4156,41 @@
           </a:p>
         </p:txBody>
       </p:sp>
+      <p:sp>
+        <p:nvSpPr>
+          <p:cNvPr id="5" name="テキスト ボックス 4">
+            <a:extLst>
+              <a:ext uri="{FF2B5EF4-FFF2-40B4-BE49-F238E27FC236}">
+                <a16:creationId xmlns:a16="http://schemas.microsoft.com/office/drawing/2014/main" id="{E10CDCB4-887B-45DA-97F7-D22BAE13BF15}"/>
+              </a:ext>
+            </a:extLst>
+          </p:cNvPr>
+          <p:cNvSpPr txBox="1"/>
+          <p:nvPr/>
+        </p:nvSpPr>
+        <p:spPr>
+          <a:xfrm>
+            <a:off x="1795848" y="2213237"/>
+            <a:ext cx="4108817" cy="369332"/>
+          </a:xfrm>
+          <a:prstGeom prst="rect">
+            <a:avLst/>
+          </a:prstGeom>
+          <a:noFill/>
+        </p:spPr>
+        <p:txBody>
+          <a:bodyPr wrap="none" rtlCol="0">
+            <a:spAutoFit/>
+          </a:bodyPr>
+          <a:lstStyle/>
+          <a:p>
+            <a:r>
+              <a:rPr kumimoji="1" lang="ja-JP" altLang="en-US" dirty="0"/>
+              <a:t>・すべての敵にぶつかるだけで倒せる</a:t>
+            </a:r>
+          </a:p>
+        </p:txBody>
+      </p:sp>
     </p:spTree>
     <p:extLst>
       <p:ext uri="{BB962C8B-B14F-4D97-AF65-F5344CB8AC3E}">

--- a/仕様書/プレイヤー.pptx
+++ b/仕様書/プレイヤー.pptx
@@ -262,7 +262,7 @@
           <a:p>
             <a:fld id="{E635ECD8-0450-4390-8DED-750FC7BBFFE4}" type="datetimeFigureOut">
               <a:rPr kumimoji="1" lang="ja-JP" altLang="en-US" smtClean="0"/>
-              <a:t>2026/2/5</a:t>
+              <a:t>2026/2/6</a:t>
             </a:fld>
             <a:endParaRPr kumimoji="1" lang="ja-JP" altLang="en-US"/>
           </a:p>
@@ -492,7 +492,7 @@
           <a:p>
             <a:fld id="{E635ECD8-0450-4390-8DED-750FC7BBFFE4}" type="datetimeFigureOut">
               <a:rPr kumimoji="1" lang="ja-JP" altLang="en-US" smtClean="0"/>
-              <a:t>2026/2/5</a:t>
+              <a:t>2026/2/6</a:t>
             </a:fld>
             <a:endParaRPr kumimoji="1" lang="ja-JP" altLang="en-US"/>
           </a:p>
@@ -732,7 +732,7 @@
           <a:p>
             <a:fld id="{E635ECD8-0450-4390-8DED-750FC7BBFFE4}" type="datetimeFigureOut">
               <a:rPr kumimoji="1" lang="ja-JP" altLang="en-US" smtClean="0"/>
-              <a:t>2026/2/5</a:t>
+              <a:t>2026/2/6</a:t>
             </a:fld>
             <a:endParaRPr kumimoji="1" lang="ja-JP" altLang="en-US"/>
           </a:p>
@@ -962,7 +962,7 @@
           <a:p>
             <a:fld id="{E635ECD8-0450-4390-8DED-750FC7BBFFE4}" type="datetimeFigureOut">
               <a:rPr kumimoji="1" lang="ja-JP" altLang="en-US" smtClean="0"/>
-              <a:t>2026/2/5</a:t>
+              <a:t>2026/2/6</a:t>
             </a:fld>
             <a:endParaRPr kumimoji="1" lang="ja-JP" altLang="en-US"/>
           </a:p>
@@ -1237,7 +1237,7 @@
           <a:p>
             <a:fld id="{E635ECD8-0450-4390-8DED-750FC7BBFFE4}" type="datetimeFigureOut">
               <a:rPr kumimoji="1" lang="ja-JP" altLang="en-US" smtClean="0"/>
-              <a:t>2026/2/5</a:t>
+              <a:t>2026/2/6</a:t>
             </a:fld>
             <a:endParaRPr kumimoji="1" lang="ja-JP" altLang="en-US"/>
           </a:p>
@@ -1566,7 +1566,7 @@
           <a:p>
             <a:fld id="{E635ECD8-0450-4390-8DED-750FC7BBFFE4}" type="datetimeFigureOut">
               <a:rPr kumimoji="1" lang="ja-JP" altLang="en-US" smtClean="0"/>
-              <a:t>2026/2/5</a:t>
+              <a:t>2026/2/6</a:t>
             </a:fld>
             <a:endParaRPr kumimoji="1" lang="ja-JP" altLang="en-US"/>
           </a:p>
@@ -2042,7 +2042,7 @@
           <a:p>
             <a:fld id="{E635ECD8-0450-4390-8DED-750FC7BBFFE4}" type="datetimeFigureOut">
               <a:rPr kumimoji="1" lang="ja-JP" altLang="en-US" smtClean="0"/>
-              <a:t>2026/2/5</a:t>
+              <a:t>2026/2/6</a:t>
             </a:fld>
             <a:endParaRPr kumimoji="1" lang="ja-JP" altLang="en-US"/>
           </a:p>
@@ -2183,7 +2183,7 @@
           <a:p>
             <a:fld id="{E635ECD8-0450-4390-8DED-750FC7BBFFE4}" type="datetimeFigureOut">
               <a:rPr kumimoji="1" lang="ja-JP" altLang="en-US" smtClean="0"/>
-              <a:t>2026/2/5</a:t>
+              <a:t>2026/2/6</a:t>
             </a:fld>
             <a:endParaRPr kumimoji="1" lang="ja-JP" altLang="en-US"/>
           </a:p>
@@ -2296,7 +2296,7 @@
           <a:p>
             <a:fld id="{E635ECD8-0450-4390-8DED-750FC7BBFFE4}" type="datetimeFigureOut">
               <a:rPr kumimoji="1" lang="ja-JP" altLang="en-US" smtClean="0"/>
-              <a:t>2026/2/5</a:t>
+              <a:t>2026/2/6</a:t>
             </a:fld>
             <a:endParaRPr kumimoji="1" lang="ja-JP" altLang="en-US"/>
           </a:p>
@@ -2639,7 +2639,7 @@
           <a:p>
             <a:fld id="{E635ECD8-0450-4390-8DED-750FC7BBFFE4}" type="datetimeFigureOut">
               <a:rPr kumimoji="1" lang="ja-JP" altLang="en-US" smtClean="0"/>
-              <a:t>2026/2/5</a:t>
+              <a:t>2026/2/6</a:t>
             </a:fld>
             <a:endParaRPr kumimoji="1" lang="ja-JP" altLang="en-US"/>
           </a:p>
@@ -2927,7 +2927,7 @@
           <a:p>
             <a:fld id="{E635ECD8-0450-4390-8DED-750FC7BBFFE4}" type="datetimeFigureOut">
               <a:rPr kumimoji="1" lang="ja-JP" altLang="en-US" smtClean="0"/>
-              <a:t>2026/2/5</a:t>
+              <a:t>2026/2/6</a:t>
             </a:fld>
             <a:endParaRPr kumimoji="1" lang="ja-JP" altLang="en-US"/>
           </a:p>
@@ -3200,7 +3200,7 @@
           <a:p>
             <a:fld id="{E635ECD8-0450-4390-8DED-750FC7BBFFE4}" type="datetimeFigureOut">
               <a:rPr kumimoji="1" lang="ja-JP" altLang="en-US" smtClean="0"/>
-              <a:t>2026/2/5</a:t>
+              <a:t>2026/2/6</a:t>
             </a:fld>
             <a:endParaRPr kumimoji="1" lang="ja-JP" altLang="en-US"/>
           </a:p>
@@ -3648,7 +3648,15 @@
             <a:pPr algn="l"/>
             <a:r>
               <a:rPr kumimoji="1" lang="ja-JP" altLang="en-US" sz="2000" dirty="0"/>
-              <a:t>・残機は</a:t>
+              <a:t>・</a:t>
+            </a:r>
+            <a:r>
+              <a:rPr kumimoji="1" lang="en-US" altLang="ja-JP" sz="2000" dirty="0"/>
+              <a:t>(</a:t>
+            </a:r>
+            <a:r>
+              <a:rPr kumimoji="1" lang="ja-JP" altLang="en-US" sz="2000" dirty="0"/>
+              <a:t>残機は</a:t>
             </a:r>
             <a:r>
               <a:rPr kumimoji="1" lang="en-US" altLang="ja-JP" sz="2000" dirty="0"/>
@@ -3658,13 +3666,40 @@
               <a:rPr kumimoji="1" lang="ja-JP" altLang="en-US" sz="2000" dirty="0"/>
               <a:t>つ</a:t>
             </a:r>
-            <a:endParaRPr kumimoji="1" lang="en-US" altLang="ja-JP" sz="2000" dirty="0"/>
+            <a:r>
+              <a:rPr kumimoji="1" lang="en-US" altLang="ja-JP" sz="2000" dirty="0"/>
+              <a:t>)</a:t>
+            </a:r>
           </a:p>
           <a:p>
             <a:pPr algn="l"/>
             <a:r>
               <a:rPr lang="ja-JP" altLang="en-US" sz="2000" dirty="0"/>
               <a:t>・ゲーム開始時点では青状態で始まる</a:t>
+            </a:r>
+            <a:endParaRPr lang="en-US" altLang="ja-JP" sz="2000" dirty="0"/>
+          </a:p>
+          <a:p>
+            <a:pPr algn="l"/>
+            <a:r>
+              <a:rPr lang="ja-JP" altLang="en-US" sz="2000" dirty="0"/>
+              <a:t>・一度でも敵に当たるとステージのはじめに戻る</a:t>
+            </a:r>
+            <a:endParaRPr lang="en-US" altLang="ja-JP" sz="2000" dirty="0"/>
+          </a:p>
+          <a:p>
+            <a:pPr algn="l"/>
+            <a:r>
+              <a:rPr lang="ja-JP" altLang="en-US" sz="2000" dirty="0"/>
+              <a:t>・↑これが</a:t>
+            </a:r>
+            <a:r>
+              <a:rPr lang="en-US" altLang="ja-JP" sz="2000" dirty="0"/>
+              <a:t>3</a:t>
+            </a:r>
+            <a:r>
+              <a:rPr lang="ja-JP" altLang="en-US" sz="2000" dirty="0"/>
+              <a:t>回行われるとゲームオーバー？？？</a:t>
             </a:r>
             <a:endParaRPr lang="en-US" altLang="ja-JP" sz="2000" dirty="0"/>
           </a:p>

--- a/仕様書/プレイヤー.pptx
+++ b/仕様書/プレイヤー.pptx
@@ -3709,6 +3709,21 @@
               <a:rPr lang="ja-JP" altLang="en-US" sz="2000" dirty="0"/>
               <a:t>・</a:t>
             </a:r>
+            <a:r>
+              <a:rPr lang="en-US" altLang="ja-JP" sz="2000" dirty="0"/>
+              <a:t>(</a:t>
+            </a:r>
+            <a:r>
+              <a:rPr lang="en-US" altLang="ja-JP" sz="2000" dirty="0" err="1"/>
+              <a:t>enum</a:t>
+            </a:r>
+            <a:r>
+              <a:rPr lang="en-US" altLang="ja-JP" sz="2000" dirty="0"/>
+              <a:t>){PLAYER_BLUE,PLAYER_RED,PLAYER_YELLOW}</a:t>
+            </a:r>
+          </a:p>
+          <a:p>
+            <a:pPr algn="l"/>
             <a:endParaRPr lang="en-US" altLang="ja-JP" sz="2000" dirty="0"/>
           </a:p>
         </p:txBody>
@@ -3830,7 +3845,7 @@
         <p:spPr>
           <a:xfrm>
             <a:off x="1252151" y="1449859"/>
-            <a:ext cx="5955476" cy="369332"/>
+            <a:ext cx="5955476" cy="646331"/>
           </a:xfrm>
           <a:prstGeom prst="rect">
             <a:avLst/>
@@ -3847,41 +3862,14 @@
               <a:rPr kumimoji="1" lang="ja-JP" altLang="en-US" dirty="0"/>
               <a:t>・赤い盾を持っている敵を踏みつけて倒すことができる</a:t>
             </a:r>
-          </a:p>
-        </p:txBody>
-      </p:sp>
-      <p:sp>
-        <p:nvSpPr>
-          <p:cNvPr id="4" name="テキスト ボックス 3">
-            <a:extLst>
-              <a:ext uri="{FF2B5EF4-FFF2-40B4-BE49-F238E27FC236}">
-                <a16:creationId xmlns:a16="http://schemas.microsoft.com/office/drawing/2014/main" id="{86C87B1B-D5DE-4D74-B648-5195CC5650E7}"/>
-              </a:ext>
-            </a:extLst>
-          </p:cNvPr>
-          <p:cNvSpPr txBox="1"/>
-          <p:nvPr/>
-        </p:nvSpPr>
-        <p:spPr>
-          <a:xfrm>
-            <a:off x="1252151" y="1819191"/>
-            <a:ext cx="415498" cy="369332"/>
-          </a:xfrm>
-          <a:prstGeom prst="rect">
-            <a:avLst/>
-          </a:prstGeom>
-          <a:noFill/>
-        </p:spPr>
-        <p:txBody>
-          <a:bodyPr wrap="none" rtlCol="0">
-            <a:spAutoFit/>
-          </a:bodyPr>
-          <a:lstStyle/>
-          <a:p>
-            <a:r>
-              <a:rPr kumimoji="1" lang="ja-JP" altLang="en-US" dirty="0"/>
+            <a:endParaRPr kumimoji="1" lang="en-US" altLang="ja-JP" dirty="0"/>
+          </a:p>
+          <a:p>
+            <a:r>
+              <a:rPr lang="ja-JP" altLang="en-US" dirty="0"/>
               <a:t>・</a:t>
             </a:r>
+            <a:endParaRPr kumimoji="1" lang="ja-JP" altLang="en-US" dirty="0"/>
           </a:p>
         </p:txBody>
       </p:sp>

--- a/仕様書/プレイヤー.pptx
+++ b/仕様書/プレイヤー.pptx
@@ -262,7 +262,7 @@
           <a:p>
             <a:fld id="{E635ECD8-0450-4390-8DED-750FC7BBFFE4}" type="datetimeFigureOut">
               <a:rPr kumimoji="1" lang="ja-JP" altLang="en-US" smtClean="0"/>
-              <a:t>2026/2/5</a:t>
+              <a:t>2026/2/6</a:t>
             </a:fld>
             <a:endParaRPr kumimoji="1" lang="ja-JP" altLang="en-US"/>
           </a:p>
@@ -492,7 +492,7 @@
           <a:p>
             <a:fld id="{E635ECD8-0450-4390-8DED-750FC7BBFFE4}" type="datetimeFigureOut">
               <a:rPr kumimoji="1" lang="ja-JP" altLang="en-US" smtClean="0"/>
-              <a:t>2026/2/5</a:t>
+              <a:t>2026/2/6</a:t>
             </a:fld>
             <a:endParaRPr kumimoji="1" lang="ja-JP" altLang="en-US"/>
           </a:p>
@@ -732,7 +732,7 @@
           <a:p>
             <a:fld id="{E635ECD8-0450-4390-8DED-750FC7BBFFE4}" type="datetimeFigureOut">
               <a:rPr kumimoji="1" lang="ja-JP" altLang="en-US" smtClean="0"/>
-              <a:t>2026/2/5</a:t>
+              <a:t>2026/2/6</a:t>
             </a:fld>
             <a:endParaRPr kumimoji="1" lang="ja-JP" altLang="en-US"/>
           </a:p>
@@ -962,7 +962,7 @@
           <a:p>
             <a:fld id="{E635ECD8-0450-4390-8DED-750FC7BBFFE4}" type="datetimeFigureOut">
               <a:rPr kumimoji="1" lang="ja-JP" altLang="en-US" smtClean="0"/>
-              <a:t>2026/2/5</a:t>
+              <a:t>2026/2/6</a:t>
             </a:fld>
             <a:endParaRPr kumimoji="1" lang="ja-JP" altLang="en-US"/>
           </a:p>
@@ -1237,7 +1237,7 @@
           <a:p>
             <a:fld id="{E635ECD8-0450-4390-8DED-750FC7BBFFE4}" type="datetimeFigureOut">
               <a:rPr kumimoji="1" lang="ja-JP" altLang="en-US" smtClean="0"/>
-              <a:t>2026/2/5</a:t>
+              <a:t>2026/2/6</a:t>
             </a:fld>
             <a:endParaRPr kumimoji="1" lang="ja-JP" altLang="en-US"/>
           </a:p>
@@ -1566,7 +1566,7 @@
           <a:p>
             <a:fld id="{E635ECD8-0450-4390-8DED-750FC7BBFFE4}" type="datetimeFigureOut">
               <a:rPr kumimoji="1" lang="ja-JP" altLang="en-US" smtClean="0"/>
-              <a:t>2026/2/5</a:t>
+              <a:t>2026/2/6</a:t>
             </a:fld>
             <a:endParaRPr kumimoji="1" lang="ja-JP" altLang="en-US"/>
           </a:p>
@@ -2042,7 +2042,7 @@
           <a:p>
             <a:fld id="{E635ECD8-0450-4390-8DED-750FC7BBFFE4}" type="datetimeFigureOut">
               <a:rPr kumimoji="1" lang="ja-JP" altLang="en-US" smtClean="0"/>
-              <a:t>2026/2/5</a:t>
+              <a:t>2026/2/6</a:t>
             </a:fld>
             <a:endParaRPr kumimoji="1" lang="ja-JP" altLang="en-US"/>
           </a:p>
@@ -2183,7 +2183,7 @@
           <a:p>
             <a:fld id="{E635ECD8-0450-4390-8DED-750FC7BBFFE4}" type="datetimeFigureOut">
               <a:rPr kumimoji="1" lang="ja-JP" altLang="en-US" smtClean="0"/>
-              <a:t>2026/2/5</a:t>
+              <a:t>2026/2/6</a:t>
             </a:fld>
             <a:endParaRPr kumimoji="1" lang="ja-JP" altLang="en-US"/>
           </a:p>
@@ -2296,7 +2296,7 @@
           <a:p>
             <a:fld id="{E635ECD8-0450-4390-8DED-750FC7BBFFE4}" type="datetimeFigureOut">
               <a:rPr kumimoji="1" lang="ja-JP" altLang="en-US" smtClean="0"/>
-              <a:t>2026/2/5</a:t>
+              <a:t>2026/2/6</a:t>
             </a:fld>
             <a:endParaRPr kumimoji="1" lang="ja-JP" altLang="en-US"/>
           </a:p>
@@ -2639,7 +2639,7 @@
           <a:p>
             <a:fld id="{E635ECD8-0450-4390-8DED-750FC7BBFFE4}" type="datetimeFigureOut">
               <a:rPr kumimoji="1" lang="ja-JP" altLang="en-US" smtClean="0"/>
-              <a:t>2026/2/5</a:t>
+              <a:t>2026/2/6</a:t>
             </a:fld>
             <a:endParaRPr kumimoji="1" lang="ja-JP" altLang="en-US"/>
           </a:p>
@@ -2927,7 +2927,7 @@
           <a:p>
             <a:fld id="{E635ECD8-0450-4390-8DED-750FC7BBFFE4}" type="datetimeFigureOut">
               <a:rPr kumimoji="1" lang="ja-JP" altLang="en-US" smtClean="0"/>
-              <a:t>2026/2/5</a:t>
+              <a:t>2026/2/6</a:t>
             </a:fld>
             <a:endParaRPr kumimoji="1" lang="ja-JP" altLang="en-US"/>
           </a:p>
@@ -3200,7 +3200,7 @@
           <a:p>
             <a:fld id="{E635ECD8-0450-4390-8DED-750FC7BBFFE4}" type="datetimeFigureOut">
               <a:rPr kumimoji="1" lang="ja-JP" altLang="en-US" smtClean="0"/>
-              <a:t>2026/2/5</a:t>
+              <a:t>2026/2/6</a:t>
             </a:fld>
             <a:endParaRPr kumimoji="1" lang="ja-JP" altLang="en-US"/>
           </a:p>
@@ -3672,7 +3672,58 @@
             <a:pPr algn="l"/>
             <a:r>
               <a:rPr lang="ja-JP" altLang="en-US" sz="2000" dirty="0"/>
-              <a:t>・</a:t>
+              <a:t>・死ぬと死んだその場で少し時間をおいて復活する</a:t>
+            </a:r>
+            <a:r>
+              <a:rPr lang="en-US" altLang="ja-JP" sz="2000" dirty="0"/>
+              <a:t>(</a:t>
+            </a:r>
+            <a:r>
+              <a:rPr lang="ja-JP" altLang="en-US" sz="2000" dirty="0"/>
+              <a:t>無敵時間あり</a:t>
+            </a:r>
+            <a:r>
+              <a:rPr lang="en-US" altLang="ja-JP" sz="2000" dirty="0"/>
+              <a:t>)</a:t>
+            </a:r>
+          </a:p>
+          <a:p>
+            <a:pPr algn="l"/>
+            <a:r>
+              <a:rPr lang="ja-JP" altLang="en-US" sz="2000" dirty="0"/>
+              <a:t>・残機が</a:t>
+            </a:r>
+            <a:r>
+              <a:rPr lang="en-US" altLang="ja-JP" sz="2000" dirty="0"/>
+              <a:t>0</a:t>
+            </a:r>
+            <a:r>
+              <a:rPr lang="ja-JP" altLang="en-US" sz="2000" dirty="0"/>
+              <a:t>になるとゲームオーバーになりステージ</a:t>
+            </a:r>
+            <a:r>
+              <a:rPr lang="en-US" altLang="ja-JP" sz="2000" dirty="0"/>
+              <a:t>1</a:t>
+            </a:r>
+            <a:r>
+              <a:rPr lang="ja-JP" altLang="en-US" sz="2000" dirty="0"/>
+              <a:t>からやり直しになる</a:t>
+            </a:r>
+            <a:endParaRPr lang="en-US" altLang="ja-JP" sz="2000" dirty="0"/>
+          </a:p>
+          <a:p>
+            <a:pPr algn="l"/>
+            <a:r>
+              <a:rPr lang="ja-JP" altLang="en-US" sz="2000" dirty="0"/>
+              <a:t>・青状態と赤状態は好きなタイミングで変えることができる</a:t>
+            </a:r>
+            <a:endParaRPr lang="en-US" altLang="ja-JP" sz="2000" dirty="0"/>
+          </a:p>
+          <a:p>
+            <a:pPr algn="l"/>
+            <a:r>
+              <a:rPr lang="ja-JP" altLang="en-US" sz="2000" dirty="0"/>
+              <a:t>・黄色状態は最初はロックされている</a:t>
             </a:r>
             <a:endParaRPr lang="en-US" altLang="ja-JP" sz="2000" dirty="0"/>
           </a:p>
@@ -3795,7 +3846,7 @@
         <p:spPr>
           <a:xfrm>
             <a:off x="1252151" y="1449859"/>
-            <a:ext cx="5955476" cy="369332"/>
+            <a:ext cx="8725466" cy="1569660"/>
           </a:xfrm>
           <a:prstGeom prst="rect">
             <a:avLst/>
@@ -3809,43 +3860,37 @@
           <a:lstStyle/>
           <a:p>
             <a:r>
-              <a:rPr kumimoji="1" lang="ja-JP" altLang="en-US" dirty="0"/>
-              <a:t>・赤い盾を持っている敵を踏みつけて倒すことができる</a:t>
-            </a:r>
-          </a:p>
-        </p:txBody>
-      </p:sp>
-      <p:sp>
-        <p:nvSpPr>
-          <p:cNvPr id="4" name="テキスト ボックス 3">
-            <a:extLst>
-              <a:ext uri="{FF2B5EF4-FFF2-40B4-BE49-F238E27FC236}">
-                <a16:creationId xmlns:a16="http://schemas.microsoft.com/office/drawing/2014/main" id="{86C87B1B-D5DE-4D74-B648-5195CC5650E7}"/>
-              </a:ext>
-            </a:extLst>
-          </p:cNvPr>
-          <p:cNvSpPr txBox="1"/>
-          <p:nvPr/>
-        </p:nvSpPr>
-        <p:spPr>
-          <a:xfrm>
-            <a:off x="1252151" y="1819191"/>
-            <a:ext cx="415498" cy="369332"/>
-          </a:xfrm>
-          <a:prstGeom prst="rect">
-            <a:avLst/>
-          </a:prstGeom>
-          <a:noFill/>
-        </p:spPr>
-        <p:txBody>
-          <a:bodyPr wrap="none" rtlCol="0">
-            <a:spAutoFit/>
-          </a:bodyPr>
-          <a:lstStyle/>
-          <a:p>
-            <a:r>
-              <a:rPr kumimoji="1" lang="ja-JP" altLang="en-US" dirty="0"/>
+              <a:rPr kumimoji="1" lang="ja-JP" altLang="en-US" sz="2400" dirty="0"/>
               <a:t>・</a:t>
+            </a:r>
+            <a:r>
+              <a:rPr lang="ja-JP" altLang="en-US" sz="2400" dirty="0"/>
+              <a:t>ジャンプして上から</a:t>
+            </a:r>
+            <a:r>
+              <a:rPr kumimoji="1" lang="ja-JP" altLang="en-US" sz="2400" dirty="0"/>
+              <a:t>踏みつけることで敵を倒すことができる</a:t>
+            </a:r>
+            <a:endParaRPr kumimoji="1" lang="en-US" altLang="ja-JP" sz="2400" dirty="0"/>
+          </a:p>
+          <a:p>
+            <a:r>
+              <a:rPr kumimoji="1" lang="ja-JP" altLang="en-US" sz="2400" dirty="0"/>
+              <a:t>・他の状態よりもジャンプが少し高い</a:t>
+            </a:r>
+            <a:endParaRPr kumimoji="1" lang="en-US" altLang="ja-JP" sz="2400" dirty="0"/>
+          </a:p>
+          <a:p>
+            <a:r>
+              <a:rPr lang="ja-JP" altLang="en-US" sz="2400" dirty="0"/>
+              <a:t>・ヘルメットを被った敵は倒せない</a:t>
+            </a:r>
+            <a:endParaRPr lang="en-US" altLang="ja-JP" sz="2400" dirty="0"/>
+          </a:p>
+          <a:p>
+            <a:r>
+              <a:rPr kumimoji="1" lang="ja-JP" altLang="en-US" sz="2400" dirty="0"/>
+              <a:t>・盾を持った敵は倒せる</a:t>
             </a:r>
           </a:p>
         </p:txBody>
@@ -3929,8 +3974,8 @@
         </p:nvSpPr>
         <p:spPr>
           <a:xfrm>
-            <a:off x="1499286" y="1507524"/>
-            <a:ext cx="5493812" cy="369332"/>
+            <a:off x="1481357" y="1489595"/>
+            <a:ext cx="9725739" cy="1569660"/>
           </a:xfrm>
           <a:prstGeom prst="rect">
             <a:avLst/>
@@ -3944,44 +3989,39 @@
           <a:lstStyle/>
           <a:p>
             <a:r>
-              <a:rPr kumimoji="1" lang="ja-JP" altLang="en-US" dirty="0"/>
-              <a:t>・青いヘルメットをかぶった敵を倒すことができる</a:t>
-            </a:r>
-          </a:p>
-        </p:txBody>
-      </p:sp>
-      <p:sp>
-        <p:nvSpPr>
-          <p:cNvPr id="4" name="テキスト ボックス 3">
-            <a:extLst>
-              <a:ext uri="{FF2B5EF4-FFF2-40B4-BE49-F238E27FC236}">
-                <a16:creationId xmlns:a16="http://schemas.microsoft.com/office/drawing/2014/main" id="{03A4AE4A-38E9-45E0-A7E6-1508A9FA0D24}"/>
-              </a:ext>
-            </a:extLst>
-          </p:cNvPr>
-          <p:cNvSpPr txBox="1"/>
-          <p:nvPr/>
-        </p:nvSpPr>
-        <p:spPr>
-          <a:xfrm>
-            <a:off x="1499286" y="1876856"/>
-            <a:ext cx="415498" cy="369332"/>
-          </a:xfrm>
-          <a:prstGeom prst="rect">
-            <a:avLst/>
-          </a:prstGeom>
-          <a:noFill/>
-        </p:spPr>
-        <p:txBody>
-          <a:bodyPr wrap="none" rtlCol="0">
-            <a:spAutoFit/>
-          </a:bodyPr>
-          <a:lstStyle/>
-          <a:p>
-            <a:r>
-              <a:rPr kumimoji="1" lang="ja-JP" altLang="en-US" dirty="0"/>
+              <a:rPr kumimoji="1" lang="ja-JP" altLang="en-US" sz="2400" dirty="0"/>
               <a:t>・</a:t>
             </a:r>
+            <a:r>
+              <a:rPr lang="ja-JP" altLang="en-US" sz="2400" dirty="0"/>
+              <a:t>前方に攻撃を放ち、当たった敵を倒すことができる</a:t>
+            </a:r>
+            <a:endParaRPr kumimoji="1" lang="en-US" altLang="ja-JP" sz="2400" dirty="0"/>
+          </a:p>
+          <a:p>
+            <a:r>
+              <a:rPr lang="ja-JP" altLang="en-US" sz="2400" dirty="0"/>
+              <a:t>・盾を持った敵は倒せないが後ろへノックバックさせることができる</a:t>
+            </a:r>
+            <a:endParaRPr lang="en-US" altLang="ja-JP" sz="2400" dirty="0"/>
+          </a:p>
+          <a:p>
+            <a:r>
+              <a:rPr kumimoji="1" lang="ja-JP" altLang="en-US" sz="2400" dirty="0"/>
+              <a:t>・ヘルメットを持った敵は倒せる</a:t>
+            </a:r>
+            <a:endParaRPr kumimoji="1" lang="en-US" altLang="ja-JP" sz="2400" dirty="0"/>
+          </a:p>
+          <a:p>
+            <a:r>
+              <a:rPr lang="ja-JP" altLang="en-US" sz="2400" dirty="0"/>
+              <a:t>・赤状態専用の攻撃を放つモーション</a:t>
+            </a:r>
+            <a:r>
+              <a:rPr lang="ja-JP" altLang="en-US" dirty="0"/>
+              <a:t>がある</a:t>
+            </a:r>
+            <a:endParaRPr lang="en-US" altLang="ja-JP" dirty="0"/>
           </a:p>
         </p:txBody>
       </p:sp>
@@ -4064,8 +4104,8 @@
         </p:nvSpPr>
         <p:spPr>
           <a:xfrm>
-            <a:off x="1795849" y="1474573"/>
-            <a:ext cx="8938665" cy="369332"/>
+            <a:off x="1383472" y="1490008"/>
+            <a:ext cx="7886033" cy="1938992"/>
           </a:xfrm>
           <a:prstGeom prst="rect">
             <a:avLst/>
@@ -4073,121 +4113,56 @@
           <a:noFill/>
         </p:spPr>
         <p:txBody>
-          <a:bodyPr wrap="none" rtlCol="0">
+          <a:bodyPr wrap="square" rtlCol="0">
             <a:spAutoFit/>
           </a:bodyPr>
           <a:lstStyle/>
           <a:p>
             <a:r>
-              <a:rPr kumimoji="1" lang="ja-JP" altLang="en-US" dirty="0"/>
-              <a:t>・黄色の敵を倒すことで黄色状態になることができるアイテム</a:t>
-            </a:r>
-            <a:r>
-              <a:rPr kumimoji="1" lang="en-US" altLang="ja-JP" dirty="0"/>
-              <a:t>(</a:t>
-            </a:r>
-            <a:r>
-              <a:rPr kumimoji="1" lang="ja-JP" altLang="en-US" dirty="0"/>
-              <a:t>？</a:t>
-            </a:r>
-            <a:r>
-              <a:rPr kumimoji="1" lang="en-US" altLang="ja-JP" dirty="0"/>
-              <a:t>)</a:t>
-            </a:r>
-            <a:r>
-              <a:rPr kumimoji="1" lang="ja-JP" altLang="en-US" dirty="0"/>
-              <a:t>のストックを獲得</a:t>
-            </a:r>
-          </a:p>
-        </p:txBody>
-      </p:sp>
-      <p:sp>
-        <p:nvSpPr>
-          <p:cNvPr id="4" name="テキスト ボックス 3">
-            <a:extLst>
-              <a:ext uri="{FF2B5EF4-FFF2-40B4-BE49-F238E27FC236}">
-                <a16:creationId xmlns:a16="http://schemas.microsoft.com/office/drawing/2014/main" id="{325E1618-546C-4338-AAA8-80BA389AE612}"/>
-              </a:ext>
-            </a:extLst>
-          </p:cNvPr>
-          <p:cNvSpPr txBox="1"/>
-          <p:nvPr/>
-        </p:nvSpPr>
-        <p:spPr>
-          <a:xfrm>
-            <a:off x="1795849" y="1843905"/>
-            <a:ext cx="7289175" cy="369332"/>
-          </a:xfrm>
-          <a:prstGeom prst="rect">
-            <a:avLst/>
-          </a:prstGeom>
-          <a:noFill/>
-        </p:spPr>
-        <p:txBody>
-          <a:bodyPr wrap="none" rtlCol="0">
-            <a:spAutoFit/>
-          </a:bodyPr>
-          <a:lstStyle/>
-          <a:p>
-            <a:r>
-              <a:rPr kumimoji="1" lang="ja-JP" altLang="en-US" dirty="0"/>
-              <a:t>・時間経過</a:t>
-            </a:r>
-            <a:r>
-              <a:rPr kumimoji="1" lang="en-US" altLang="ja-JP" dirty="0"/>
-              <a:t>(</a:t>
-            </a:r>
-            <a:r>
-              <a:rPr lang="ja-JP" altLang="en-US" dirty="0"/>
-              <a:t>今後</a:t>
-            </a:r>
-            <a:r>
-              <a:rPr kumimoji="1" lang="ja-JP" altLang="en-US" dirty="0"/>
-              <a:t>継続時間を設定</a:t>
-            </a:r>
-            <a:r>
-              <a:rPr kumimoji="1" lang="en-US" altLang="ja-JP" dirty="0"/>
-              <a:t>)</a:t>
-            </a:r>
-            <a:r>
-              <a:rPr kumimoji="1" lang="ja-JP" altLang="en-US" dirty="0"/>
-              <a:t>で解除されてひとつ前の状態に戻る</a:t>
-            </a:r>
-          </a:p>
-        </p:txBody>
-      </p:sp>
-      <p:sp>
-        <p:nvSpPr>
-          <p:cNvPr id="5" name="テキスト ボックス 4">
-            <a:extLst>
-              <a:ext uri="{FF2B5EF4-FFF2-40B4-BE49-F238E27FC236}">
-                <a16:creationId xmlns:a16="http://schemas.microsoft.com/office/drawing/2014/main" id="{E10CDCB4-887B-45DA-97F7-D22BAE13BF15}"/>
-              </a:ext>
-            </a:extLst>
-          </p:cNvPr>
-          <p:cNvSpPr txBox="1"/>
-          <p:nvPr/>
-        </p:nvSpPr>
-        <p:spPr>
-          <a:xfrm>
-            <a:off x="1795848" y="2213237"/>
-            <a:ext cx="4108817" cy="369332"/>
-          </a:xfrm>
-          <a:prstGeom prst="rect">
-            <a:avLst/>
-          </a:prstGeom>
-          <a:noFill/>
-        </p:spPr>
-        <p:txBody>
-          <a:bodyPr wrap="none" rtlCol="0">
-            <a:spAutoFit/>
-          </a:bodyPr>
-          <a:lstStyle/>
-          <a:p>
-            <a:r>
-              <a:rPr kumimoji="1" lang="ja-JP" altLang="en-US" dirty="0"/>
-              <a:t>・すべての敵にぶつかるだけで倒せる</a:t>
-            </a:r>
+              <a:rPr kumimoji="1" lang="ja-JP" altLang="en-US" sz="2400" dirty="0"/>
+              <a:t>・黄色の敵を倒すことで黄色状態</a:t>
+            </a:r>
+            <a:r>
+              <a:rPr lang="ja-JP" altLang="en-US" sz="2400" dirty="0"/>
+              <a:t>になれるようになる</a:t>
+            </a:r>
+            <a:endParaRPr lang="en-US" altLang="ja-JP" sz="2400" dirty="0"/>
+          </a:p>
+          <a:p>
+            <a:r>
+              <a:rPr lang="ja-JP" altLang="en-US" sz="2400" dirty="0"/>
+              <a:t>・黄色の敵を一回倒すことで変身ストックが</a:t>
+            </a:r>
+            <a:r>
+              <a:rPr lang="en-US" altLang="ja-JP" sz="2400" dirty="0"/>
+              <a:t>1</a:t>
+            </a:r>
+            <a:r>
+              <a:rPr lang="ja-JP" altLang="en-US" sz="2400" dirty="0"/>
+              <a:t>溜まる</a:t>
+            </a:r>
+            <a:endParaRPr lang="en-US" altLang="ja-JP" sz="2400" dirty="0"/>
+          </a:p>
+          <a:p>
+            <a:r>
+              <a:rPr kumimoji="1" lang="ja-JP" altLang="en-US" sz="2400" dirty="0"/>
+              <a:t>・黄色状態は時間経過で解除され、変身時間が終わると</a:t>
+            </a:r>
+            <a:endParaRPr kumimoji="1" lang="en-US" altLang="ja-JP" sz="2400" dirty="0"/>
+          </a:p>
+          <a:p>
+            <a:r>
+              <a:rPr kumimoji="1" lang="ja-JP" altLang="en-US" sz="2400" dirty="0"/>
+              <a:t>　ひとつ前の状態に戻る</a:t>
+            </a:r>
+            <a:endParaRPr kumimoji="1" lang="en-US" altLang="ja-JP" sz="2400" dirty="0"/>
+          </a:p>
+          <a:p>
+            <a:r>
+              <a:rPr lang="ja-JP" altLang="en-US" sz="2400" dirty="0"/>
+              <a:t>・すべての敵をぶつかるだけで倒せる</a:t>
+            </a:r>
+            <a:endParaRPr lang="en-US" altLang="ja-JP" sz="2400" dirty="0"/>
           </a:p>
         </p:txBody>
       </p:sp>

--- a/仕様書/プレイヤー.pptx
+++ b/仕様書/プレイヤー.pptx
@@ -3656,7 +3656,7 @@
             </a:r>
             <a:r>
               <a:rPr kumimoji="1" lang="ja-JP" altLang="en-US" sz="2000" dirty="0"/>
-              <a:t>つ</a:t>
+              <a:t>つ増える可能性アリ</a:t>
             </a:r>
             <a:endParaRPr kumimoji="1" lang="en-US" altLang="ja-JP" sz="2000" dirty="0"/>
           </a:p>

--- a/仕様書/プレイヤー.pptx
+++ b/仕様書/プレイヤー.pptx
@@ -3845,7 +3845,7 @@
         </p:nvSpPr>
         <p:spPr>
           <a:xfrm>
-            <a:off x="1252151" y="1449859"/>
+            <a:off x="1335741" y="3444507"/>
             <a:ext cx="8725466" cy="1569660"/>
           </a:xfrm>
           <a:prstGeom prst="rect">
@@ -3895,6 +3895,78 @@
           </a:p>
         </p:txBody>
       </p:sp>
+      <p:pic>
+        <p:nvPicPr>
+          <p:cNvPr id="5" name="図 4">
+            <a:extLst>
+              <a:ext uri="{FF2B5EF4-FFF2-40B4-BE49-F238E27FC236}">
+                <a16:creationId xmlns:a16="http://schemas.microsoft.com/office/drawing/2014/main" id="{76A3AF1A-0E68-49F3-8F87-0895892E62A8}"/>
+              </a:ext>
+            </a:extLst>
+          </p:cNvPr>
+          <p:cNvPicPr>
+            <a:picLocks noChangeAspect="1"/>
+          </p:cNvPicPr>
+          <p:nvPr/>
+        </p:nvPicPr>
+        <p:blipFill>
+          <a:blip r:embed="rId2">
+            <a:extLst>
+              <a:ext uri="{28A0092B-C50C-407E-A947-70E740481C1C}">
+                <a14:useLocalDpi xmlns:a14="http://schemas.microsoft.com/office/drawing/2010/main" val="0"/>
+              </a:ext>
+            </a:extLst>
+          </a:blip>
+          <a:stretch>
+            <a:fillRect/>
+          </a:stretch>
+        </p:blipFill>
+        <p:spPr>
+          <a:xfrm>
+            <a:off x="1335741" y="810704"/>
+            <a:ext cx="2192431" cy="2192431"/>
+          </a:xfrm>
+          <a:prstGeom prst="rect">
+            <a:avLst/>
+          </a:prstGeom>
+        </p:spPr>
+      </p:pic>
+      <p:pic>
+        <p:nvPicPr>
+          <p:cNvPr id="7" name="図 6">
+            <a:extLst>
+              <a:ext uri="{FF2B5EF4-FFF2-40B4-BE49-F238E27FC236}">
+                <a16:creationId xmlns:a16="http://schemas.microsoft.com/office/drawing/2014/main" id="{31A23046-AD5F-43E3-A8C8-D6DE7BD198EE}"/>
+              </a:ext>
+            </a:extLst>
+          </p:cNvPr>
+          <p:cNvPicPr>
+            <a:picLocks noChangeAspect="1"/>
+          </p:cNvPicPr>
+          <p:nvPr/>
+        </p:nvPicPr>
+        <p:blipFill>
+          <a:blip r:embed="rId3">
+            <a:extLst>
+              <a:ext uri="{28A0092B-C50C-407E-A947-70E740481C1C}">
+                <a14:useLocalDpi xmlns:a14="http://schemas.microsoft.com/office/drawing/2010/main" val="0"/>
+              </a:ext>
+            </a:extLst>
+          </a:blip>
+          <a:stretch>
+            <a:fillRect/>
+          </a:stretch>
+        </p:blipFill>
+        <p:spPr>
+          <a:xfrm>
+            <a:off x="5698474" y="810704"/>
+            <a:ext cx="2192430" cy="2192430"/>
+          </a:xfrm>
+          <a:prstGeom prst="rect">
+            <a:avLst/>
+          </a:prstGeom>
+        </p:spPr>
+      </p:pic>
     </p:spTree>
     <p:extLst>
       <p:ext uri="{BB962C8B-B14F-4D97-AF65-F5344CB8AC3E}">
@@ -3974,7 +4046,7 @@
         </p:nvSpPr>
         <p:spPr>
           <a:xfrm>
-            <a:off x="1481357" y="1489595"/>
+            <a:off x="1391710" y="3659054"/>
             <a:ext cx="9725739" cy="1569660"/>
           </a:xfrm>
           <a:prstGeom prst="rect">
@@ -4022,6 +4094,132 @@
               <a:t>がある</a:t>
             </a:r>
             <a:endParaRPr lang="en-US" altLang="ja-JP" dirty="0"/>
+          </a:p>
+        </p:txBody>
+      </p:sp>
+      <p:pic>
+        <p:nvPicPr>
+          <p:cNvPr id="5" name="図 4">
+            <a:extLst>
+              <a:ext uri="{FF2B5EF4-FFF2-40B4-BE49-F238E27FC236}">
+                <a16:creationId xmlns:a16="http://schemas.microsoft.com/office/drawing/2014/main" id="{9D00D731-9E35-41B8-930A-ED7D9657C86D}"/>
+              </a:ext>
+            </a:extLst>
+          </p:cNvPr>
+          <p:cNvPicPr>
+            <a:picLocks noChangeAspect="1"/>
+          </p:cNvPicPr>
+          <p:nvPr/>
+        </p:nvPicPr>
+        <p:blipFill>
+          <a:blip r:embed="rId2">
+            <a:extLst>
+              <a:ext uri="{28A0092B-C50C-407E-A947-70E740481C1C}">
+                <a14:useLocalDpi xmlns:a14="http://schemas.microsoft.com/office/drawing/2010/main" val="0"/>
+              </a:ext>
+            </a:extLst>
+          </a:blip>
+          <a:stretch>
+            <a:fillRect/>
+          </a:stretch>
+        </p:blipFill>
+        <p:spPr>
+          <a:xfrm>
+            <a:off x="1608604" y="1094312"/>
+            <a:ext cx="2334688" cy="2334688"/>
+          </a:xfrm>
+          <a:prstGeom prst="rect">
+            <a:avLst/>
+          </a:prstGeom>
+        </p:spPr>
+      </p:pic>
+      <p:pic>
+        <p:nvPicPr>
+          <p:cNvPr id="7" name="図 6">
+            <a:extLst>
+              <a:ext uri="{FF2B5EF4-FFF2-40B4-BE49-F238E27FC236}">
+                <a16:creationId xmlns:a16="http://schemas.microsoft.com/office/drawing/2014/main" id="{B978CCF8-371E-4D09-B424-9DA7380A463A}"/>
+              </a:ext>
+            </a:extLst>
+          </p:cNvPr>
+          <p:cNvPicPr>
+            <a:picLocks noChangeAspect="1"/>
+          </p:cNvPicPr>
+          <p:nvPr/>
+        </p:nvPicPr>
+        <p:blipFill>
+          <a:blip r:embed="rId3">
+            <a:extLst>
+              <a:ext uri="{28A0092B-C50C-407E-A947-70E740481C1C}">
+                <a14:useLocalDpi xmlns:a14="http://schemas.microsoft.com/office/drawing/2010/main" val="0"/>
+              </a:ext>
+            </a:extLst>
+          </a:blip>
+          <a:stretch>
+            <a:fillRect/>
+          </a:stretch>
+        </p:blipFill>
+        <p:spPr>
+          <a:xfrm>
+            <a:off x="5427569" y="1094312"/>
+            <a:ext cx="2334688" cy="2334688"/>
+          </a:xfrm>
+          <a:prstGeom prst="rect">
+            <a:avLst/>
+          </a:prstGeom>
+        </p:spPr>
+      </p:pic>
+      <p:sp>
+        <p:nvSpPr>
+          <p:cNvPr id="8" name="爆発: 8 pt 7">
+            <a:extLst>
+              <a:ext uri="{FF2B5EF4-FFF2-40B4-BE49-F238E27FC236}">
+                <a16:creationId xmlns:a16="http://schemas.microsoft.com/office/drawing/2014/main" id="{174C0E0A-DC32-4905-8CD7-1C26E7A6EC40}"/>
+              </a:ext>
+            </a:extLst>
+          </p:cNvPr>
+          <p:cNvSpPr/>
+          <p:nvPr/>
+        </p:nvSpPr>
+        <p:spPr>
+          <a:xfrm rot="2283051">
+            <a:off x="7887737" y="2054513"/>
+            <a:ext cx="658679" cy="753163"/>
+          </a:xfrm>
+          <a:prstGeom prst="irregularSeal1">
+            <a:avLst/>
+          </a:prstGeom>
+          <a:solidFill>
+            <a:srgbClr val="FFFF00"/>
+          </a:solidFill>
+          <a:ln>
+            <a:solidFill>
+              <a:srgbClr val="FF0000"/>
+            </a:solidFill>
+          </a:ln>
+        </p:spPr>
+        <p:style>
+          <a:lnRef idx="2">
+            <a:schemeClr val="accent1">
+              <a:shade val="50000"/>
+            </a:schemeClr>
+          </a:lnRef>
+          <a:fillRef idx="1">
+            <a:schemeClr val="accent1"/>
+          </a:fillRef>
+          <a:effectRef idx="0">
+            <a:schemeClr val="accent1"/>
+          </a:effectRef>
+          <a:fontRef idx="minor">
+            <a:schemeClr val="lt1"/>
+          </a:fontRef>
+        </p:style>
+        <p:txBody>
+          <a:bodyPr rtlCol="0" anchor="ctr"/>
+          <a:lstStyle/>
+          <a:p>
+            <a:pPr algn="ctr"/>
+            <a:endParaRPr kumimoji="1" lang="ja-JP" altLang="en-US"/>
           </a:p>
         </p:txBody>
       </p:sp>
@@ -4104,7 +4302,7 @@
         </p:nvSpPr>
         <p:spPr>
           <a:xfrm>
-            <a:off x="1383472" y="1490008"/>
+            <a:off x="1383472" y="3282949"/>
             <a:ext cx="7886033" cy="1938992"/>
           </a:xfrm>
           <a:prstGeom prst="rect">
@@ -4166,6 +4364,78 @@
           </a:p>
         </p:txBody>
       </p:sp>
+      <p:pic>
+        <p:nvPicPr>
+          <p:cNvPr id="5" name="図 4">
+            <a:extLst>
+              <a:ext uri="{FF2B5EF4-FFF2-40B4-BE49-F238E27FC236}">
+                <a16:creationId xmlns:a16="http://schemas.microsoft.com/office/drawing/2014/main" id="{DC512CB6-AD08-4F6D-8D65-3EBA210473D8}"/>
+              </a:ext>
+            </a:extLst>
+          </p:cNvPr>
+          <p:cNvPicPr>
+            <a:picLocks noChangeAspect="1"/>
+          </p:cNvPicPr>
+          <p:nvPr/>
+        </p:nvPicPr>
+        <p:blipFill>
+          <a:blip r:embed="rId2">
+            <a:extLst>
+              <a:ext uri="{28A0092B-C50C-407E-A947-70E740481C1C}">
+                <a14:useLocalDpi xmlns:a14="http://schemas.microsoft.com/office/drawing/2010/main" val="0"/>
+              </a:ext>
+            </a:extLst>
+          </a:blip>
+          <a:stretch>
+            <a:fillRect/>
+          </a:stretch>
+        </p:blipFill>
+        <p:spPr>
+          <a:xfrm>
+            <a:off x="1649506" y="610698"/>
+            <a:ext cx="2443443" cy="2443443"/>
+          </a:xfrm>
+          <a:prstGeom prst="rect">
+            <a:avLst/>
+          </a:prstGeom>
+        </p:spPr>
+      </p:pic>
+      <p:pic>
+        <p:nvPicPr>
+          <p:cNvPr id="7" name="図 6">
+            <a:extLst>
+              <a:ext uri="{FF2B5EF4-FFF2-40B4-BE49-F238E27FC236}">
+                <a16:creationId xmlns:a16="http://schemas.microsoft.com/office/drawing/2014/main" id="{BBCC880A-11E9-4707-A195-E52DA86D9DCF}"/>
+              </a:ext>
+            </a:extLst>
+          </p:cNvPr>
+          <p:cNvPicPr>
+            <a:picLocks noChangeAspect="1"/>
+          </p:cNvPicPr>
+          <p:nvPr/>
+        </p:nvPicPr>
+        <p:blipFill>
+          <a:blip r:embed="rId3">
+            <a:extLst>
+              <a:ext uri="{28A0092B-C50C-407E-A947-70E740481C1C}">
+                <a14:useLocalDpi xmlns:a14="http://schemas.microsoft.com/office/drawing/2010/main" val="0"/>
+              </a:ext>
+            </a:extLst>
+          </a:blip>
+          <a:stretch>
+            <a:fillRect/>
+          </a:stretch>
+        </p:blipFill>
+        <p:spPr>
+          <a:xfrm>
+            <a:off x="5965451" y="610697"/>
+            <a:ext cx="2443443" cy="2443443"/>
+          </a:xfrm>
+          <a:prstGeom prst="rect">
+            <a:avLst/>
+          </a:prstGeom>
+        </p:spPr>
+      </p:pic>
     </p:spTree>
     <p:extLst>
       <p:ext uri="{BB962C8B-B14F-4D97-AF65-F5344CB8AC3E}">
